--- a/Documentation/Data pipeline.pptx
+++ b/Documentation/Data pipeline.pptx
@@ -7,6 +7,7 @@
   <p:sldIdLst>
     <p:sldId id="257" r:id="rId2"/>
     <p:sldId id="258" r:id="rId3"/>
+    <p:sldId id="259" r:id="rId4"/>
   </p:sldIdLst>
   <p:sldSz cx="12192000" cy="6858000"/>
   <p:notesSz cx="6858000" cy="9144000"/>
@@ -105,7 +106,16 @@
       </a:defRPr>
     </a:lvl9pPr>
   </p:defaultTextStyle>
+  <p:extLst>
+    <p:ext uri="{EFAFB233-063F-42B5-8137-9DF3F51BA10A}">
+      <p15:sldGuideLst xmlns:p15="http://schemas.microsoft.com/office/powerpoint/2012/main"/>
+    </p:ext>
+  </p:extLst>
 </p:presentation>
+</file>
+
+<file path=ppt/revisionInfo.xml><?xml version="1.0" encoding="utf-8"?>
+<p1510:revInfo xmlns:a="http://schemas.openxmlformats.org/drawingml/2006/main" xmlns:r="http://schemas.openxmlformats.org/officeDocument/2006/relationships" xmlns:p1510="http://schemas.microsoft.com/office/powerpoint/2015/10/main"/>
 </file>
 
 <file path=ppt/slideLayouts/slideLayout1.xml><?xml version="1.0" encoding="utf-8"?>
@@ -257,7 +267,7 @@
           <a:p>
             <a:fld id="{62968D5D-05FE-488E-B016-76450D4A4B98}" type="datetimeFigureOut">
               <a:rPr lang="fr-FR" smtClean="0"/>
-              <a:t>15/08/2017</a:t>
+              <a:t>06/09/2017</a:t>
             </a:fld>
             <a:endParaRPr lang="fr-FR"/>
           </a:p>
@@ -457,7 +467,7 @@
           <a:p>
             <a:fld id="{62968D5D-05FE-488E-B016-76450D4A4B98}" type="datetimeFigureOut">
               <a:rPr lang="fr-FR" smtClean="0"/>
-              <a:t>15/08/2017</a:t>
+              <a:t>06/09/2017</a:t>
             </a:fld>
             <a:endParaRPr lang="fr-FR"/>
           </a:p>
@@ -667,7 +677,7 @@
           <a:p>
             <a:fld id="{62968D5D-05FE-488E-B016-76450D4A4B98}" type="datetimeFigureOut">
               <a:rPr lang="fr-FR" smtClean="0"/>
-              <a:t>15/08/2017</a:t>
+              <a:t>06/09/2017</a:t>
             </a:fld>
             <a:endParaRPr lang="fr-FR"/>
           </a:p>
@@ -867,7 +877,7 @@
           <a:p>
             <a:fld id="{62968D5D-05FE-488E-B016-76450D4A4B98}" type="datetimeFigureOut">
               <a:rPr lang="fr-FR" smtClean="0"/>
-              <a:t>15/08/2017</a:t>
+              <a:t>06/09/2017</a:t>
             </a:fld>
             <a:endParaRPr lang="fr-FR"/>
           </a:p>
@@ -1143,7 +1153,7 @@
           <a:p>
             <a:fld id="{62968D5D-05FE-488E-B016-76450D4A4B98}" type="datetimeFigureOut">
               <a:rPr lang="fr-FR" smtClean="0"/>
-              <a:t>15/08/2017</a:t>
+              <a:t>06/09/2017</a:t>
             </a:fld>
             <a:endParaRPr lang="fr-FR"/>
           </a:p>
@@ -1411,7 +1421,7 @@
           <a:p>
             <a:fld id="{62968D5D-05FE-488E-B016-76450D4A4B98}" type="datetimeFigureOut">
               <a:rPr lang="fr-FR" smtClean="0"/>
-              <a:t>15/08/2017</a:t>
+              <a:t>06/09/2017</a:t>
             </a:fld>
             <a:endParaRPr lang="fr-FR"/>
           </a:p>
@@ -1826,7 +1836,7 @@
           <a:p>
             <a:fld id="{62968D5D-05FE-488E-B016-76450D4A4B98}" type="datetimeFigureOut">
               <a:rPr lang="fr-FR" smtClean="0"/>
-              <a:t>15/08/2017</a:t>
+              <a:t>06/09/2017</a:t>
             </a:fld>
             <a:endParaRPr lang="fr-FR"/>
           </a:p>
@@ -1968,7 +1978,7 @@
           <a:p>
             <a:fld id="{62968D5D-05FE-488E-B016-76450D4A4B98}" type="datetimeFigureOut">
               <a:rPr lang="fr-FR" smtClean="0"/>
-              <a:t>15/08/2017</a:t>
+              <a:t>06/09/2017</a:t>
             </a:fld>
             <a:endParaRPr lang="fr-FR"/>
           </a:p>
@@ -2081,7 +2091,7 @@
           <a:p>
             <a:fld id="{62968D5D-05FE-488E-B016-76450D4A4B98}" type="datetimeFigureOut">
               <a:rPr lang="fr-FR" smtClean="0"/>
-              <a:t>15/08/2017</a:t>
+              <a:t>06/09/2017</a:t>
             </a:fld>
             <a:endParaRPr lang="fr-FR"/>
           </a:p>
@@ -2394,7 +2404,7 @@
           <a:p>
             <a:fld id="{62968D5D-05FE-488E-B016-76450D4A4B98}" type="datetimeFigureOut">
               <a:rPr lang="fr-FR" smtClean="0"/>
-              <a:t>15/08/2017</a:t>
+              <a:t>06/09/2017</a:t>
             </a:fld>
             <a:endParaRPr lang="fr-FR"/>
           </a:p>
@@ -2683,7 +2693,7 @@
           <a:p>
             <a:fld id="{62968D5D-05FE-488E-B016-76450D4A4B98}" type="datetimeFigureOut">
               <a:rPr lang="fr-FR" smtClean="0"/>
-              <a:t>15/08/2017</a:t>
+              <a:t>06/09/2017</a:t>
             </a:fld>
             <a:endParaRPr lang="fr-FR"/>
           </a:p>
@@ -2926,7 +2936,7 @@
           <a:p>
             <a:fld id="{62968D5D-05FE-488E-B016-76450D4A4B98}" type="datetimeFigureOut">
               <a:rPr lang="fr-FR" smtClean="0"/>
-              <a:t>15/08/2017</a:t>
+              <a:t>06/09/2017</a:t>
             </a:fld>
             <a:endParaRPr lang="fr-FR"/>
           </a:p>
@@ -6068,17 +6078,10 @@
             <a:avLst/>
           </a:prstGeom>
           <a:solidFill>
-            <a:schemeClr val="accent2">
-              <a:lumMod val="20000"/>
-              <a:lumOff val="80000"/>
-            </a:schemeClr>
+            <a:schemeClr val="accent2"/>
           </a:solidFill>
           <a:ln>
-            <a:solidFill>
-              <a:schemeClr val="accent2">
-                <a:lumMod val="75000"/>
-              </a:schemeClr>
-            </a:solidFill>
+            <a:noFill/>
             <a:prstDash val="dash"/>
           </a:ln>
         </p:spPr>
@@ -6106,7 +6109,7 @@
             <a:r>
               <a:rPr lang="fr-FR" sz="1400" b="1">
                 <a:solidFill>
-                  <a:sysClr val="windowText" lastClr="000000"/>
+                  <a:schemeClr val="bg1"/>
                 </a:solidFill>
               </a:rPr>
               <a:t>Feature Engineering</a:t>
@@ -6117,7 +6120,7 @@
             <a:r>
               <a:rPr lang="fr-FR" sz="1000">
                 <a:solidFill>
-                  <a:sysClr val="windowText" lastClr="000000"/>
+                  <a:schemeClr val="bg1"/>
                 </a:solidFill>
               </a:rPr>
               <a:t>Combine, normalize features</a:t>
@@ -6128,7 +6131,7 @@
             <a:r>
               <a:rPr lang="fr-FR" sz="1000">
                 <a:solidFill>
-                  <a:sysClr val="windowText" lastClr="000000"/>
+                  <a:schemeClr val="bg1"/>
                 </a:solidFill>
               </a:rPr>
               <a:t>Compute correlation &amp; PCA</a:t>
@@ -6157,17 +6160,10 @@
             <a:avLst/>
           </a:prstGeom>
           <a:solidFill>
-            <a:schemeClr val="accent2">
-              <a:lumMod val="20000"/>
-              <a:lumOff val="80000"/>
-            </a:schemeClr>
+            <a:schemeClr val="accent2"/>
           </a:solidFill>
           <a:ln>
-            <a:solidFill>
-              <a:schemeClr val="accent2">
-                <a:lumMod val="75000"/>
-              </a:schemeClr>
-            </a:solidFill>
+            <a:noFill/>
             <a:prstDash val="dash"/>
           </a:ln>
         </p:spPr>
@@ -6195,7 +6191,7 @@
             <a:r>
               <a:rPr lang="fr-FR" sz="1400" b="1">
                 <a:solidFill>
-                  <a:sysClr val="windowText" lastClr="000000"/>
+                  <a:schemeClr val="bg1"/>
                 </a:solidFill>
               </a:rPr>
               <a:t>Clustering</a:t>
@@ -6206,10 +6202,10 @@
             <a:r>
               <a:rPr lang="fr-FR" sz="1000">
                 <a:solidFill>
-                  <a:sysClr val="windowText" lastClr="000000"/>
+                  <a:schemeClr val="bg1"/>
                 </a:solidFill>
               </a:rPr>
-              <a:t>Find Clusters of similar directors</a:t>
+              <a:t>KMean</a:t>
             </a:r>
           </a:p>
         </p:txBody>
@@ -6482,7 +6478,7 @@
         <p:spPr>
           <a:xfrm>
             <a:off x="215900" y="346510"/>
-            <a:ext cx="6019800" cy="369332"/>
+            <a:ext cx="6019800" cy="584775"/>
           </a:xfrm>
           <a:prstGeom prst="rect">
             <a:avLst/>
@@ -6501,7 +6497,94 @@
                   <a:srgbClr val="FF0000"/>
                 </a:solidFill>
               </a:rPr>
-              <a:t>PROBLEM 1 : DETERMINE CLUSTERS OF SIMILAR DIRECTORS</a:t>
+              <a:t>PROBLEM 1a : DETERMINE CLUSTERS OF SIMILAR DIRECTORS</a:t>
+            </a:r>
+          </a:p>
+          <a:p>
+            <a:r>
+              <a:rPr lang="fr-FR" sz="1400" i="1"/>
+              <a:t>Genre, langage and various features from tmdb</a:t>
+            </a:r>
+          </a:p>
+        </p:txBody>
+      </p:sp>
+      <p:sp>
+        <p:nvSpPr>
+          <p:cNvPr id="20" name="TextBox 19">
+            <a:extLst>
+              <a:ext uri="{FF2B5EF4-FFF2-40B4-BE49-F238E27FC236}">
+                <a16:creationId xmlns:a16="http://schemas.microsoft.com/office/drawing/2014/main" id="{242F8CA8-AD24-4CCE-B718-3E3DFFEBAB9A}"/>
+              </a:ext>
+            </a:extLst>
+          </p:cNvPr>
+          <p:cNvSpPr txBox="1"/>
+          <p:nvPr/>
+        </p:nvSpPr>
+        <p:spPr>
+          <a:xfrm>
+            <a:off x="10014445" y="4148441"/>
+            <a:ext cx="2177555" cy="861774"/>
+          </a:xfrm>
+          <a:prstGeom prst="rect">
+            <a:avLst/>
+          </a:prstGeom>
+          <a:noFill/>
+        </p:spPr>
+        <p:txBody>
+          <a:bodyPr wrap="square" rtlCol="0">
+            <a:spAutoFit/>
+          </a:bodyPr>
+          <a:lstStyle/>
+          <a:p>
+            <a:r>
+              <a:rPr lang="fr-FR" sz="1000" b="1">
+                <a:solidFill>
+                  <a:srgbClr val="FF0000"/>
+                </a:solidFill>
+              </a:rPr>
+              <a:t>Conclusion</a:t>
+            </a:r>
+          </a:p>
+          <a:p>
+            <a:pPr marL="171450" indent="-171450">
+              <a:buFontTx/>
+              <a:buChar char="-"/>
+            </a:pPr>
+            <a:r>
+              <a:rPr lang="fr-FR" sz="1000">
+                <a:solidFill>
+                  <a:srgbClr val="FF0000"/>
+                </a:solidFill>
+              </a:rPr>
+              <a:t>Weak PCA (first eigenvalue 17%)</a:t>
+            </a:r>
+          </a:p>
+          <a:p>
+            <a:pPr marL="171450" indent="-171450">
+              <a:buFontTx/>
+              <a:buChar char="-"/>
+            </a:pPr>
+            <a:r>
+              <a:rPr lang="fr-FR" sz="1000">
+                <a:solidFill>
+                  <a:srgbClr val="FF0000"/>
+                </a:solidFill>
+              </a:rPr>
+              <a:t>Clustering not conclusive / difficult to represent or interpret</a:t>
+            </a:r>
+          </a:p>
+          <a:p>
+            <a:pPr marL="171450" indent="-171450">
+              <a:buFontTx/>
+              <a:buChar char="-"/>
+            </a:pPr>
+            <a:r>
+              <a:rPr lang="fr-FR" sz="1000">
+                <a:solidFill>
+                  <a:srgbClr val="FF0000"/>
+                </a:solidFill>
+              </a:rPr>
+              <a:t>Very few correlated features</a:t>
             </a:r>
           </a:p>
         </p:txBody>
@@ -6510,6 +6593,667 @@
     <p:extLst>
       <p:ext uri="{BB962C8B-B14F-4D97-AF65-F5344CB8AC3E}">
         <p14:creationId xmlns:p14="http://schemas.microsoft.com/office/powerpoint/2010/main" val="2603702040"/>
+      </p:ext>
+    </p:extLst>
+  </p:cSld>
+  <p:clrMapOvr>
+    <a:masterClrMapping/>
+  </p:clrMapOvr>
+</p:sld>
+</file>
+
+<file path=ppt/slides/slide3.xml><?xml version="1.0" encoding="utf-8"?>
+<p:sld xmlns:a="http://schemas.openxmlformats.org/drawingml/2006/main" xmlns:r="http://schemas.openxmlformats.org/officeDocument/2006/relationships" xmlns:p="http://schemas.openxmlformats.org/presentationml/2006/main">
+  <p:cSld>
+    <p:spTree>
+      <p:nvGrpSpPr>
+        <p:cNvPr id="1" name=""/>
+        <p:cNvGrpSpPr/>
+        <p:nvPr/>
+      </p:nvGrpSpPr>
+      <p:grpSpPr>
+        <a:xfrm>
+          <a:off x="0" y="0"/>
+          <a:ext cx="0" cy="0"/>
+          <a:chOff x="0" y="0"/>
+          <a:chExt cx="0" cy="0"/>
+        </a:xfrm>
+      </p:grpSpPr>
+      <p:pic>
+        <p:nvPicPr>
+          <p:cNvPr id="24" name="Picture 23">
+            <a:extLst>
+              <a:ext uri="{FF2B5EF4-FFF2-40B4-BE49-F238E27FC236}">
+                <a16:creationId xmlns:a16="http://schemas.microsoft.com/office/drawing/2014/main" id="{56511787-7411-436A-A8B0-143D2FDD13F4}"/>
+              </a:ext>
+            </a:extLst>
+          </p:cNvPr>
+          <p:cNvPicPr>
+            <a:picLocks noChangeAspect="1"/>
+          </p:cNvPicPr>
+          <p:nvPr/>
+        </p:nvPicPr>
+        <p:blipFill>
+          <a:blip r:embed="rId2"/>
+          <a:stretch>
+            <a:fillRect/>
+          </a:stretch>
+        </p:blipFill>
+        <p:spPr>
+          <a:xfrm>
+            <a:off x="8257095" y="1836040"/>
+            <a:ext cx="3040144" cy="3040144"/>
+          </a:xfrm>
+          <a:prstGeom prst="rect">
+            <a:avLst/>
+          </a:prstGeom>
+        </p:spPr>
+      </p:pic>
+      <p:sp>
+        <p:nvSpPr>
+          <p:cNvPr id="13" name="Rectangle 12">
+            <a:extLst>
+              <a:ext uri="{FF2B5EF4-FFF2-40B4-BE49-F238E27FC236}">
+                <a16:creationId xmlns:a16="http://schemas.microsoft.com/office/drawing/2014/main" id="{741316B6-39A9-4D52-9CE6-0C85EEAB8973}"/>
+              </a:ext>
+            </a:extLst>
+          </p:cNvPr>
+          <p:cNvSpPr/>
+          <p:nvPr/>
+        </p:nvSpPr>
+        <p:spPr>
+          <a:xfrm>
+            <a:off x="3196683" y="2919681"/>
+            <a:ext cx="1673582" cy="820132"/>
+          </a:xfrm>
+          <a:prstGeom prst="rect">
+            <a:avLst/>
+          </a:prstGeom>
+          <a:solidFill>
+            <a:schemeClr val="accent2"/>
+          </a:solidFill>
+          <a:ln>
+            <a:noFill/>
+          </a:ln>
+        </p:spPr>
+        <p:style>
+          <a:lnRef idx="2">
+            <a:schemeClr val="accent1">
+              <a:shade val="50000"/>
+            </a:schemeClr>
+          </a:lnRef>
+          <a:fillRef idx="1">
+            <a:schemeClr val="accent1"/>
+          </a:fillRef>
+          <a:effectRef idx="0">
+            <a:schemeClr val="accent1"/>
+          </a:effectRef>
+          <a:fontRef idx="minor">
+            <a:schemeClr val="lt1"/>
+          </a:fontRef>
+        </p:style>
+        <p:txBody>
+          <a:bodyPr lIns="36000" rIns="36000" rtlCol="0" anchor="ctr"/>
+          <a:lstStyle/>
+          <a:p>
+            <a:pPr algn="ctr"/>
+            <a:r>
+              <a:rPr lang="fr-FR" sz="1400" b="1"/>
+              <a:t>Clustering Directors thru NLP</a:t>
+            </a:r>
+          </a:p>
+          <a:p>
+            <a:pPr algn="ctr"/>
+            <a:r>
+              <a:rPr lang="fr-FR" sz="1000"/>
+              <a:t>Retrieve wikipedia summary</a:t>
+            </a:r>
+          </a:p>
+        </p:txBody>
+      </p:sp>
+      <p:cxnSp>
+        <p:nvCxnSpPr>
+          <p:cNvPr id="15" name="Straight Arrow Connector 14">
+            <a:extLst>
+              <a:ext uri="{FF2B5EF4-FFF2-40B4-BE49-F238E27FC236}">
+                <a16:creationId xmlns:a16="http://schemas.microsoft.com/office/drawing/2014/main" id="{59B3C87F-C49E-4E63-8367-4B6EF725D987}"/>
+              </a:ext>
+            </a:extLst>
+          </p:cNvPr>
+          <p:cNvCxnSpPr>
+            <a:cxnSpLocks/>
+            <a:stCxn id="13" idx="3"/>
+          </p:cNvCxnSpPr>
+          <p:nvPr/>
+        </p:nvCxnSpPr>
+        <p:spPr>
+          <a:xfrm flipV="1">
+            <a:off x="4870265" y="3325977"/>
+            <a:ext cx="248396" cy="3770"/>
+          </a:xfrm>
+          <a:prstGeom prst="straightConnector1">
+            <a:avLst/>
+          </a:prstGeom>
+          <a:ln>
+            <a:tailEnd type="triangle"/>
+          </a:ln>
+        </p:spPr>
+        <p:style>
+          <a:lnRef idx="1">
+            <a:schemeClr val="accent1"/>
+          </a:lnRef>
+          <a:fillRef idx="0">
+            <a:schemeClr val="accent1"/>
+          </a:fillRef>
+          <a:effectRef idx="0">
+            <a:schemeClr val="accent1"/>
+          </a:effectRef>
+          <a:fontRef idx="minor">
+            <a:schemeClr val="tx1"/>
+          </a:fontRef>
+        </p:style>
+      </p:cxnSp>
+      <p:cxnSp>
+        <p:nvCxnSpPr>
+          <p:cNvPr id="21" name="Straight Arrow Connector 20">
+            <a:extLst>
+              <a:ext uri="{FF2B5EF4-FFF2-40B4-BE49-F238E27FC236}">
+                <a16:creationId xmlns:a16="http://schemas.microsoft.com/office/drawing/2014/main" id="{2145F05B-44B0-4587-90FB-ED02C76E78DE}"/>
+              </a:ext>
+            </a:extLst>
+          </p:cNvPr>
+          <p:cNvCxnSpPr>
+            <a:cxnSpLocks/>
+            <a:endCxn id="13" idx="1"/>
+          </p:cNvCxnSpPr>
+          <p:nvPr/>
+        </p:nvCxnSpPr>
+        <p:spPr>
+          <a:xfrm>
+            <a:off x="2185597" y="3325977"/>
+            <a:ext cx="1011086" cy="3770"/>
+          </a:xfrm>
+          <a:prstGeom prst="straightConnector1">
+            <a:avLst/>
+          </a:prstGeom>
+          <a:ln>
+            <a:tailEnd type="triangle"/>
+          </a:ln>
+        </p:spPr>
+        <p:style>
+          <a:lnRef idx="1">
+            <a:schemeClr val="accent1"/>
+          </a:lnRef>
+          <a:fillRef idx="0">
+            <a:schemeClr val="accent1"/>
+          </a:fillRef>
+          <a:effectRef idx="0">
+            <a:schemeClr val="accent1"/>
+          </a:effectRef>
+          <a:fontRef idx="minor">
+            <a:schemeClr val="tx1"/>
+          </a:fontRef>
+        </p:style>
+      </p:cxnSp>
+      <p:sp>
+        <p:nvSpPr>
+          <p:cNvPr id="38" name="TextBox 37">
+            <a:extLst>
+              <a:ext uri="{FF2B5EF4-FFF2-40B4-BE49-F238E27FC236}">
+                <a16:creationId xmlns:a16="http://schemas.microsoft.com/office/drawing/2014/main" id="{3888EE8C-D359-4510-A274-A778A611A333}"/>
+              </a:ext>
+            </a:extLst>
+          </p:cNvPr>
+          <p:cNvSpPr txBox="1"/>
+          <p:nvPr/>
+        </p:nvSpPr>
+        <p:spPr>
+          <a:xfrm>
+            <a:off x="215900" y="346510"/>
+            <a:ext cx="6019800" cy="584775"/>
+          </a:xfrm>
+          <a:prstGeom prst="rect">
+            <a:avLst/>
+          </a:prstGeom>
+          <a:noFill/>
+        </p:spPr>
+        <p:txBody>
+          <a:bodyPr wrap="square" rtlCol="0">
+            <a:spAutoFit/>
+          </a:bodyPr>
+          <a:lstStyle/>
+          <a:p>
+            <a:r>
+              <a:rPr lang="fr-FR" b="1">
+                <a:solidFill>
+                  <a:srgbClr val="FF0000"/>
+                </a:solidFill>
+              </a:rPr>
+              <a:t>PROBLEM 1b : DETERMINE CLUSTERS OF SIMILAR DIRECTORS</a:t>
+            </a:r>
+          </a:p>
+          <a:p>
+            <a:r>
+              <a:rPr lang="fr-FR" sz="1400" i="1"/>
+              <a:t>From wikipedia summary - NLP</a:t>
+            </a:r>
+          </a:p>
+        </p:txBody>
+      </p:sp>
+      <p:pic>
+        <p:nvPicPr>
+          <p:cNvPr id="30" name="Picture 4" descr="Related image">
+            <a:extLst>
+              <a:ext uri="{FF2B5EF4-FFF2-40B4-BE49-F238E27FC236}">
+                <a16:creationId xmlns:a16="http://schemas.microsoft.com/office/drawing/2014/main" id="{C773E153-1EAA-4628-887D-FA34BF710155}"/>
+              </a:ext>
+            </a:extLst>
+          </p:cNvPr>
+          <p:cNvPicPr>
+            <a:picLocks noChangeAspect="1" noChangeArrowheads="1"/>
+          </p:cNvPicPr>
+          <p:nvPr/>
+        </p:nvPicPr>
+        <p:blipFill>
+          <a:blip r:embed="rId3">
+            <a:extLst>
+              <a:ext uri="{28A0092B-C50C-407E-A947-70E740481C1C}">
+                <a14:useLocalDpi xmlns:a14="http://schemas.microsoft.com/office/drawing/2010/main" val="0"/>
+              </a:ext>
+            </a:extLst>
+          </a:blip>
+          <a:srcRect/>
+          <a:stretch>
+            <a:fillRect/>
+          </a:stretch>
+        </p:blipFill>
+        <p:spPr bwMode="auto">
+          <a:xfrm>
+            <a:off x="584517" y="3053291"/>
+            <a:ext cx="554786" cy="302821"/>
+          </a:xfrm>
+          <a:prstGeom prst="rect">
+            <a:avLst/>
+          </a:prstGeom>
+          <a:noFill/>
+          <a:extLst>
+            <a:ext uri="{909E8E84-426E-40DD-AFC4-6F175D3DCCD1}">
+              <a14:hiddenFill xmlns:a14="http://schemas.microsoft.com/office/drawing/2010/main">
+                <a:solidFill>
+                  <a:srgbClr val="FFFFFF"/>
+                </a:solidFill>
+              </a14:hiddenFill>
+            </a:ext>
+          </a:extLst>
+        </p:spPr>
+      </p:pic>
+      <p:sp>
+        <p:nvSpPr>
+          <p:cNvPr id="32" name="TextBox 31">
+            <a:extLst>
+              <a:ext uri="{FF2B5EF4-FFF2-40B4-BE49-F238E27FC236}">
+                <a16:creationId xmlns:a16="http://schemas.microsoft.com/office/drawing/2014/main" id="{3879AACF-2EAA-4211-A052-72B539F25592}"/>
+              </a:ext>
+            </a:extLst>
+          </p:cNvPr>
+          <p:cNvSpPr txBox="1"/>
+          <p:nvPr/>
+        </p:nvSpPr>
+        <p:spPr>
+          <a:xfrm>
+            <a:off x="1079380" y="3048978"/>
+            <a:ext cx="1844511" cy="677108"/>
+          </a:xfrm>
+          <a:prstGeom prst="rect">
+            <a:avLst/>
+          </a:prstGeom>
+          <a:noFill/>
+        </p:spPr>
+        <p:txBody>
+          <a:bodyPr wrap="square" rtlCol="0">
+            <a:spAutoFit/>
+          </a:bodyPr>
+          <a:lstStyle/>
+          <a:p>
+            <a:r>
+              <a:rPr lang="fr-FR" sz="1400"/>
+              <a:t>Wikipedia</a:t>
+            </a:r>
+          </a:p>
+          <a:p>
+            <a:r>
+              <a:rPr lang="fr-FR" sz="800"/>
+              <a:t>Search</a:t>
+            </a:r>
+          </a:p>
+          <a:p>
+            <a:r>
+              <a:rPr lang="fr-FR" sz="800"/>
+              <a:t>Get summary</a:t>
+            </a:r>
+          </a:p>
+          <a:p>
+            <a:r>
+              <a:rPr lang="fr-FR" sz="800"/>
+              <a:t>From my 500 favorite directors</a:t>
+            </a:r>
+          </a:p>
+        </p:txBody>
+      </p:sp>
+      <p:sp>
+        <p:nvSpPr>
+          <p:cNvPr id="37" name="Rectangle 36">
+            <a:extLst>
+              <a:ext uri="{FF2B5EF4-FFF2-40B4-BE49-F238E27FC236}">
+                <a16:creationId xmlns:a16="http://schemas.microsoft.com/office/drawing/2014/main" id="{D8243D9A-CDF0-41E6-8F87-D672A71B9846}"/>
+              </a:ext>
+            </a:extLst>
+          </p:cNvPr>
+          <p:cNvSpPr/>
+          <p:nvPr/>
+        </p:nvSpPr>
+        <p:spPr>
+          <a:xfrm>
+            <a:off x="5143056" y="2905954"/>
+            <a:ext cx="2549216" cy="820132"/>
+          </a:xfrm>
+          <a:prstGeom prst="rect">
+            <a:avLst/>
+          </a:prstGeom>
+          <a:solidFill>
+            <a:schemeClr val="accent2"/>
+          </a:solidFill>
+          <a:ln>
+            <a:noFill/>
+          </a:ln>
+        </p:spPr>
+        <p:style>
+          <a:lnRef idx="2">
+            <a:schemeClr val="accent1">
+              <a:shade val="50000"/>
+            </a:schemeClr>
+          </a:lnRef>
+          <a:fillRef idx="1">
+            <a:schemeClr val="accent1"/>
+          </a:fillRef>
+          <a:effectRef idx="0">
+            <a:schemeClr val="accent1"/>
+          </a:effectRef>
+          <a:fontRef idx="minor">
+            <a:schemeClr val="lt1"/>
+          </a:fontRef>
+        </p:style>
+        <p:txBody>
+          <a:bodyPr lIns="36000" rIns="36000" rtlCol="0" anchor="ctr"/>
+          <a:lstStyle/>
+          <a:p>
+            <a:pPr algn="ctr"/>
+            <a:r>
+              <a:rPr lang="fr-FR" sz="1400" b="1"/>
+              <a:t>Clustering Directors thru NLP</a:t>
+            </a:r>
+          </a:p>
+          <a:p>
+            <a:pPr algn="ctr"/>
+            <a:r>
+              <a:rPr lang="fr-FR" sz="1000"/>
+              <a:t>X100 execution (TFIDF + Kmean)</a:t>
+            </a:r>
+          </a:p>
+          <a:p>
+            <a:pPr algn="ctr"/>
+            <a:r>
+              <a:rPr lang="fr-FR" sz="1000"/>
+              <a:t>Create network graph based on link strenght</a:t>
+            </a:r>
+          </a:p>
+        </p:txBody>
+      </p:sp>
+      <p:cxnSp>
+        <p:nvCxnSpPr>
+          <p:cNvPr id="39" name="Straight Arrow Connector 38">
+            <a:extLst>
+              <a:ext uri="{FF2B5EF4-FFF2-40B4-BE49-F238E27FC236}">
+                <a16:creationId xmlns:a16="http://schemas.microsoft.com/office/drawing/2014/main" id="{BD1DE5D0-1D70-47DA-89B6-CFF848A9D569}"/>
+              </a:ext>
+            </a:extLst>
+          </p:cNvPr>
+          <p:cNvCxnSpPr>
+            <a:cxnSpLocks/>
+          </p:cNvCxnSpPr>
+          <p:nvPr/>
+        </p:nvCxnSpPr>
+        <p:spPr>
+          <a:xfrm>
+            <a:off x="7840865" y="3316020"/>
+            <a:ext cx="737527" cy="0"/>
+          </a:xfrm>
+          <a:prstGeom prst="straightConnector1">
+            <a:avLst/>
+          </a:prstGeom>
+          <a:ln>
+            <a:tailEnd type="triangle"/>
+          </a:ln>
+        </p:spPr>
+        <p:style>
+          <a:lnRef idx="1">
+            <a:schemeClr val="accent1"/>
+          </a:lnRef>
+          <a:fillRef idx="0">
+            <a:schemeClr val="accent1"/>
+          </a:fillRef>
+          <a:effectRef idx="0">
+            <a:schemeClr val="accent1"/>
+          </a:effectRef>
+          <a:fontRef idx="minor">
+            <a:schemeClr val="tx1"/>
+          </a:fontRef>
+        </p:style>
+      </p:cxnSp>
+      <p:sp>
+        <p:nvSpPr>
+          <p:cNvPr id="40" name="TextBox 39">
+            <a:extLst>
+              <a:ext uri="{FF2B5EF4-FFF2-40B4-BE49-F238E27FC236}">
+                <a16:creationId xmlns:a16="http://schemas.microsoft.com/office/drawing/2014/main" id="{785D4B63-8F15-4728-B1FF-B88C15EF9F8A}"/>
+              </a:ext>
+            </a:extLst>
+          </p:cNvPr>
+          <p:cNvSpPr txBox="1"/>
+          <p:nvPr/>
+        </p:nvSpPr>
+        <p:spPr>
+          <a:xfrm>
+            <a:off x="8873802" y="4445297"/>
+            <a:ext cx="2177555" cy="861774"/>
+          </a:xfrm>
+          <a:prstGeom prst="rect">
+            <a:avLst/>
+          </a:prstGeom>
+          <a:noFill/>
+        </p:spPr>
+        <p:txBody>
+          <a:bodyPr wrap="square" rtlCol="0">
+            <a:spAutoFit/>
+          </a:bodyPr>
+          <a:lstStyle/>
+          <a:p>
+            <a:r>
+              <a:rPr lang="fr-FR" sz="1000" b="1">
+                <a:solidFill>
+                  <a:srgbClr val="FF0000"/>
+                </a:solidFill>
+              </a:rPr>
+              <a:t>Conclusion</a:t>
+            </a:r>
+          </a:p>
+          <a:p>
+            <a:pPr marL="171450" indent="-171450">
+              <a:buFontTx/>
+              <a:buChar char="-"/>
+            </a:pPr>
+            <a:r>
+              <a:rPr lang="fr-FR" sz="1000">
+                <a:solidFill>
+                  <a:srgbClr val="FF0000"/>
+                </a:solidFill>
+              </a:rPr>
+              <a:t>Much funnier &amp; meaningful</a:t>
+            </a:r>
+          </a:p>
+          <a:p>
+            <a:pPr marL="171450" indent="-171450">
+              <a:buFontTx/>
+              <a:buChar char="-"/>
+            </a:pPr>
+            <a:r>
+              <a:rPr lang="fr-FR" sz="1000">
+                <a:solidFill>
+                  <a:srgbClr val="FF0000"/>
+                </a:solidFill>
+              </a:rPr>
+              <a:t>At least algo can identify nationality, critical acclaim and even genre of predilection</a:t>
+            </a:r>
+          </a:p>
+        </p:txBody>
+      </p:sp>
+      <p:sp>
+        <p:nvSpPr>
+          <p:cNvPr id="41" name="Rectangle 40">
+            <a:extLst>
+              <a:ext uri="{FF2B5EF4-FFF2-40B4-BE49-F238E27FC236}">
+                <a16:creationId xmlns:a16="http://schemas.microsoft.com/office/drawing/2014/main" id="{6A000322-B250-4192-8B07-9DCFBFC4D4FD}"/>
+              </a:ext>
+            </a:extLst>
+          </p:cNvPr>
+          <p:cNvSpPr/>
+          <p:nvPr/>
+        </p:nvSpPr>
+        <p:spPr>
+          <a:xfrm>
+            <a:off x="3508284" y="4614574"/>
+            <a:ext cx="4122795" cy="461665"/>
+          </a:xfrm>
+          <a:prstGeom prst="rect">
+            <a:avLst/>
+          </a:prstGeom>
+        </p:spPr>
+        <p:txBody>
+          <a:bodyPr wrap="none">
+            <a:spAutoFit/>
+          </a:bodyPr>
+          <a:lstStyle/>
+          <a:p>
+            <a:r>
+              <a:rPr lang="fr-FR" sz="1400"/>
+              <a:t>      </a:t>
+            </a:r>
+            <a:r>
+              <a:rPr lang="en-US" sz="1400"/>
+              <a:t>500 favorite directors_with wikipedia summary.csv</a:t>
+            </a:r>
+          </a:p>
+          <a:p>
+            <a:r>
+              <a:rPr lang="fr-FR" sz="1000"/>
+              <a:t>500 lines</a:t>
+            </a:r>
+          </a:p>
+        </p:txBody>
+      </p:sp>
+      <p:pic>
+        <p:nvPicPr>
+          <p:cNvPr id="42" name="Picture 41" descr="Image result for document icon">
+            <a:extLst>
+              <a:ext uri="{FF2B5EF4-FFF2-40B4-BE49-F238E27FC236}">
+                <a16:creationId xmlns:a16="http://schemas.microsoft.com/office/drawing/2014/main" id="{DA989C5E-1B13-46B6-920B-5A85AAB4B269}"/>
+              </a:ext>
+            </a:extLst>
+          </p:cNvPr>
+          <p:cNvPicPr>
+            <a:picLocks noChangeAspect="1" noChangeArrowheads="1"/>
+          </p:cNvPicPr>
+          <p:nvPr/>
+        </p:nvPicPr>
+        <p:blipFill>
+          <a:blip r:embed="rId4">
+            <a:extLst>
+              <a:ext uri="{28A0092B-C50C-407E-A947-70E740481C1C}">
+                <a14:useLocalDpi xmlns:a14="http://schemas.microsoft.com/office/drawing/2010/main" val="0"/>
+              </a:ext>
+            </a:extLst>
+          </a:blip>
+          <a:srcRect/>
+          <a:stretch>
+            <a:fillRect/>
+          </a:stretch>
+        </p:blipFill>
+        <p:spPr bwMode="auto">
+          <a:xfrm>
+            <a:off x="3554061" y="4617139"/>
+            <a:ext cx="272792" cy="260706"/>
+          </a:xfrm>
+          <a:prstGeom prst="rect">
+            <a:avLst/>
+          </a:prstGeom>
+          <a:noFill/>
+          <a:extLst>
+            <a:ext uri="{909E8E84-426E-40DD-AFC4-6F175D3DCCD1}">
+              <a14:hiddenFill xmlns:a14="http://schemas.microsoft.com/office/drawing/2010/main">
+                <a:solidFill>
+                  <a:srgbClr val="FFFFFF"/>
+                </a:solidFill>
+              </a14:hiddenFill>
+            </a:ext>
+          </a:extLst>
+        </p:spPr>
+      </p:pic>
+      <p:cxnSp>
+        <p:nvCxnSpPr>
+          <p:cNvPr id="43" name="Straight Arrow Connector 42">
+            <a:extLst>
+              <a:ext uri="{FF2B5EF4-FFF2-40B4-BE49-F238E27FC236}">
+                <a16:creationId xmlns:a16="http://schemas.microsoft.com/office/drawing/2014/main" id="{89E0F90D-5EBB-4BBC-A595-E48E10257246}"/>
+              </a:ext>
+            </a:extLst>
+          </p:cNvPr>
+          <p:cNvCxnSpPr>
+            <a:cxnSpLocks/>
+            <a:stCxn id="13" idx="2"/>
+          </p:cNvCxnSpPr>
+          <p:nvPr/>
+        </p:nvCxnSpPr>
+        <p:spPr>
+          <a:xfrm>
+            <a:off x="4033474" y="3739813"/>
+            <a:ext cx="0" cy="794480"/>
+          </a:xfrm>
+          <a:prstGeom prst="straightConnector1">
+            <a:avLst/>
+          </a:prstGeom>
+          <a:ln>
+            <a:tailEnd type="triangle"/>
+          </a:ln>
+        </p:spPr>
+        <p:style>
+          <a:lnRef idx="1">
+            <a:schemeClr val="accent1"/>
+          </a:lnRef>
+          <a:fillRef idx="0">
+            <a:schemeClr val="accent1"/>
+          </a:fillRef>
+          <a:effectRef idx="0">
+            <a:schemeClr val="accent1"/>
+          </a:effectRef>
+          <a:fontRef idx="minor">
+            <a:schemeClr val="tx1"/>
+          </a:fontRef>
+        </p:style>
+      </p:cxnSp>
+    </p:spTree>
+    <p:extLst>
+      <p:ext uri="{BB962C8B-B14F-4D97-AF65-F5344CB8AC3E}">
+        <p14:creationId xmlns:p14="http://schemas.microsoft.com/office/powerpoint/2010/main" val="4172330600"/>
       </p:ext>
     </p:extLst>
   </p:cSld>
